--- a/FINAL PROJECT -- COMPOSITING.pptx
+++ b/FINAL PROJECT -- COMPOSITING.pptx
@@ -936,15 +936,7 @@
             </a:pPr>
             <a:r>
               <a:rPr lang="en-US" sz="900" dirty="0"/>
-              <a:t>assay data are received once a day. By the time they arrive, there are guaranteed to have the appropriated </a:t>
-            </a:r>
-            <a:r>
-              <a:rPr lang="en-US" sz="900" dirty="0" err="1"/>
-              <a:t>rilling</a:t>
-            </a:r>
-            <a:r>
-              <a:rPr lang="en-US" sz="900" dirty="0"/>
-              <a:t> data. You can do JOIN</a:t>
+              <a:t>assay data are received once a day. By the time they arrive, there are guaranteed to have the appropriated drilling data. You can do JOIN</a:t>
             </a:r>
             <a:endParaRPr sz="900" dirty="0"/>
           </a:p>
